--- a/figures/fig1_plotphylo_rs_chrnum/fig1_plotphylo_rs_chrnum.pptx
+++ b/figures/fig1_plotphylo_rs_chrnum/fig1_plotphylo_rs_chrnum.pptx
@@ -271,7 +271,7 @@
           <a:p>
             <a:fld id="{63E089F7-0D66-8D4E-BF21-C7B1994E88E0}" type="datetimeFigureOut">
               <a:rPr lang="en-US" smtClean="0"/>
-              <a:t>10/9/23</a:t>
+              <a:t>12/18/23</a:t>
             </a:fld>
             <a:endParaRPr lang="en-US"/>
           </a:p>
@@ -469,7 +469,7 @@
           <a:p>
             <a:fld id="{63E089F7-0D66-8D4E-BF21-C7B1994E88E0}" type="datetimeFigureOut">
               <a:rPr lang="en-US" smtClean="0"/>
-              <a:t>10/9/23</a:t>
+              <a:t>12/18/23</a:t>
             </a:fld>
             <a:endParaRPr lang="en-US"/>
           </a:p>
@@ -677,7 +677,7 @@
           <a:p>
             <a:fld id="{63E089F7-0D66-8D4E-BF21-C7B1994E88E0}" type="datetimeFigureOut">
               <a:rPr lang="en-US" smtClean="0"/>
-              <a:t>10/9/23</a:t>
+              <a:t>12/18/23</a:t>
             </a:fld>
             <a:endParaRPr lang="en-US"/>
           </a:p>
@@ -875,7 +875,7 @@
           <a:p>
             <a:fld id="{63E089F7-0D66-8D4E-BF21-C7B1994E88E0}" type="datetimeFigureOut">
               <a:rPr lang="en-US" smtClean="0"/>
-              <a:t>10/9/23</a:t>
+              <a:t>12/18/23</a:t>
             </a:fld>
             <a:endParaRPr lang="en-US"/>
           </a:p>
@@ -1150,7 +1150,7 @@
           <a:p>
             <a:fld id="{63E089F7-0D66-8D4E-BF21-C7B1994E88E0}" type="datetimeFigureOut">
               <a:rPr lang="en-US" smtClean="0"/>
-              <a:t>10/9/23</a:t>
+              <a:t>12/18/23</a:t>
             </a:fld>
             <a:endParaRPr lang="en-US"/>
           </a:p>
@@ -1415,7 +1415,7 @@
           <a:p>
             <a:fld id="{63E089F7-0D66-8D4E-BF21-C7B1994E88E0}" type="datetimeFigureOut">
               <a:rPr lang="en-US" smtClean="0"/>
-              <a:t>10/9/23</a:t>
+              <a:t>12/18/23</a:t>
             </a:fld>
             <a:endParaRPr lang="en-US"/>
           </a:p>
@@ -1827,7 +1827,7 @@
           <a:p>
             <a:fld id="{63E089F7-0D66-8D4E-BF21-C7B1994E88E0}" type="datetimeFigureOut">
               <a:rPr lang="en-US" smtClean="0"/>
-              <a:t>10/9/23</a:t>
+              <a:t>12/18/23</a:t>
             </a:fld>
             <a:endParaRPr lang="en-US"/>
           </a:p>
@@ -1968,7 +1968,7 @@
           <a:p>
             <a:fld id="{63E089F7-0D66-8D4E-BF21-C7B1994E88E0}" type="datetimeFigureOut">
               <a:rPr lang="en-US" smtClean="0"/>
-              <a:t>10/9/23</a:t>
+              <a:t>12/18/23</a:t>
             </a:fld>
             <a:endParaRPr lang="en-US"/>
           </a:p>
@@ -2081,7 +2081,7 @@
           <a:p>
             <a:fld id="{63E089F7-0D66-8D4E-BF21-C7B1994E88E0}" type="datetimeFigureOut">
               <a:rPr lang="en-US" smtClean="0"/>
-              <a:t>10/9/23</a:t>
+              <a:t>12/18/23</a:t>
             </a:fld>
             <a:endParaRPr lang="en-US"/>
           </a:p>
@@ -2392,7 +2392,7 @@
           <a:p>
             <a:fld id="{63E089F7-0D66-8D4E-BF21-C7B1994E88E0}" type="datetimeFigureOut">
               <a:rPr lang="en-US" smtClean="0"/>
-              <a:t>10/9/23</a:t>
+              <a:t>12/18/23</a:t>
             </a:fld>
             <a:endParaRPr lang="en-US"/>
           </a:p>
@@ -2680,7 +2680,7 @@
           <a:p>
             <a:fld id="{63E089F7-0D66-8D4E-BF21-C7B1994E88E0}" type="datetimeFigureOut">
               <a:rPr lang="en-US" smtClean="0"/>
-              <a:t>10/9/23</a:t>
+              <a:t>12/18/23</a:t>
             </a:fld>
             <a:endParaRPr lang="en-US"/>
           </a:p>
@@ -2921,7 +2921,7 @@
           <a:p>
             <a:fld id="{63E089F7-0D66-8D4E-BF21-C7B1994E88E0}" type="datetimeFigureOut">
               <a:rPr lang="en-US" smtClean="0"/>
-              <a:t>10/9/23</a:t>
+              <a:t>12/18/23</a:t>
             </a:fld>
             <a:endParaRPr lang="en-US"/>
           </a:p>
@@ -3340,10 +3340,10 @@
       </p:grpSpPr>
       <p:pic>
         <p:nvPicPr>
-          <p:cNvPr id="10" name="Picture 9">
-            <a:extLst>
-              <a:ext uri="{FF2B5EF4-FFF2-40B4-BE49-F238E27FC236}">
-                <a16:creationId xmlns:a16="http://schemas.microsoft.com/office/drawing/2014/main" id="{EEF25848-20B7-7B40-F7B5-BCDCD4714487}"/>
+          <p:cNvPr id="16" name="Picture 15">
+            <a:extLst>
+              <a:ext uri="{FF2B5EF4-FFF2-40B4-BE49-F238E27FC236}">
+                <a16:creationId xmlns:a16="http://schemas.microsoft.com/office/drawing/2014/main" id="{FE44F822-FD43-92BC-6FFF-2033378B2F5C}"/>
               </a:ext>
             </a:extLst>
           </p:cNvPr>
@@ -3352,15 +3352,16 @@
           </p:cNvPicPr>
           <p:nvPr/>
         </p:nvPicPr>
-        <p:blipFill rotWithShape="1">
+        <p:blipFill>
           <a:blip r:embed="rId2"/>
-          <a:srcRect l="10529" t="7523" r="5238"/>
-          <a:stretch/>
+          <a:stretch>
+            <a:fillRect/>
+          </a:stretch>
         </p:blipFill>
         <p:spPr>
           <a:xfrm>
-            <a:off x="2703443" y="497889"/>
-            <a:ext cx="4463803" cy="6342077"/>
+            <a:off x="6194432" y="397503"/>
+            <a:ext cx="929880" cy="737676"/>
           </a:xfrm>
           <a:prstGeom prst="rect">
             <a:avLst/>
@@ -3369,10 +3370,10 @@
       </p:pic>
       <p:pic>
         <p:nvPicPr>
-          <p:cNvPr id="5" name="Picture 4">
-            <a:extLst>
-              <a:ext uri="{FF2B5EF4-FFF2-40B4-BE49-F238E27FC236}">
-                <a16:creationId xmlns:a16="http://schemas.microsoft.com/office/drawing/2014/main" id="{92FEEC90-28A1-A3AD-12AE-1D3FC7FBD42B}"/>
+          <p:cNvPr id="18" name="Picture 17">
+            <a:extLst>
+              <a:ext uri="{FF2B5EF4-FFF2-40B4-BE49-F238E27FC236}">
+                <a16:creationId xmlns:a16="http://schemas.microsoft.com/office/drawing/2014/main" id="{B1EA3AAD-B2E3-2684-8BAA-146C9B857888}"/>
               </a:ext>
             </a:extLst>
           </p:cNvPr>
@@ -3389,8 +3390,8 @@
         </p:blipFill>
         <p:spPr>
           <a:xfrm>
-            <a:off x="5778108" y="563799"/>
-            <a:ext cx="1389138" cy="440273"/>
+            <a:off x="6194432" y="1431881"/>
+            <a:ext cx="1422400" cy="381000"/>
           </a:xfrm>
           <a:prstGeom prst="rect">
             <a:avLst/>
@@ -3399,10 +3400,564 @@
       </p:pic>
       <p:pic>
         <p:nvPicPr>
-          <p:cNvPr id="7" name="Picture 6">
-            <a:extLst>
-              <a:ext uri="{FF2B5EF4-FFF2-40B4-BE49-F238E27FC236}">
-                <a16:creationId xmlns:a16="http://schemas.microsoft.com/office/drawing/2014/main" id="{2EE13B4B-B74E-6010-AE99-49602C3DE8E4}"/>
+          <p:cNvPr id="22" name="Picture 21">
+            <a:extLst>
+              <a:ext uri="{FF2B5EF4-FFF2-40B4-BE49-F238E27FC236}">
+                <a16:creationId xmlns:a16="http://schemas.microsoft.com/office/drawing/2014/main" id="{E57528AE-9818-4254-0D60-3AEC63D4E319}"/>
+              </a:ext>
+            </a:extLst>
+          </p:cNvPr>
+          <p:cNvPicPr>
+            <a:picLocks noChangeAspect="1"/>
+          </p:cNvPicPr>
+          <p:nvPr/>
+        </p:nvPicPr>
+        <p:blipFill>
+          <a:blip r:embed="rId4"/>
+          <a:stretch>
+            <a:fillRect/>
+          </a:stretch>
+        </p:blipFill>
+        <p:spPr>
+          <a:xfrm>
+            <a:off x="6194432" y="1881841"/>
+            <a:ext cx="1155167" cy="372271"/>
+          </a:xfrm>
+          <a:prstGeom prst="rect">
+            <a:avLst/>
+          </a:prstGeom>
+        </p:spPr>
+      </p:pic>
+      <p:pic>
+        <p:nvPicPr>
+          <p:cNvPr id="25" name="Picture 24">
+            <a:extLst>
+              <a:ext uri="{FF2B5EF4-FFF2-40B4-BE49-F238E27FC236}">
+                <a16:creationId xmlns:a16="http://schemas.microsoft.com/office/drawing/2014/main" id="{DD9103AE-D243-26F9-402F-7AEDAC2E34D0}"/>
+              </a:ext>
+            </a:extLst>
+          </p:cNvPr>
+          <p:cNvPicPr>
+            <a:picLocks noChangeAspect="1"/>
+          </p:cNvPicPr>
+          <p:nvPr/>
+        </p:nvPicPr>
+        <p:blipFill>
+          <a:blip r:embed="rId5"/>
+          <a:stretch>
+            <a:fillRect/>
+          </a:stretch>
+        </p:blipFill>
+        <p:spPr>
+          <a:xfrm>
+            <a:off x="6235857" y="2361500"/>
+            <a:ext cx="1062402" cy="612924"/>
+          </a:xfrm>
+          <a:prstGeom prst="rect">
+            <a:avLst/>
+          </a:prstGeom>
+        </p:spPr>
+      </p:pic>
+      <p:pic>
+        <p:nvPicPr>
+          <p:cNvPr id="27" name="Picture 26">
+            <a:extLst>
+              <a:ext uri="{FF2B5EF4-FFF2-40B4-BE49-F238E27FC236}">
+                <a16:creationId xmlns:a16="http://schemas.microsoft.com/office/drawing/2014/main" id="{960581A9-AAAB-4FBC-DFFB-210AE2E8BE03}"/>
+              </a:ext>
+            </a:extLst>
+          </p:cNvPr>
+          <p:cNvPicPr>
+            <a:picLocks noChangeAspect="1"/>
+          </p:cNvPicPr>
+          <p:nvPr/>
+        </p:nvPicPr>
+        <p:blipFill>
+          <a:blip r:embed="rId6"/>
+          <a:stretch>
+            <a:fillRect/>
+          </a:stretch>
+        </p:blipFill>
+        <p:spPr>
+          <a:xfrm>
+            <a:off x="6203485" y="3091787"/>
+            <a:ext cx="1146114" cy="284290"/>
+          </a:xfrm>
+          <a:prstGeom prst="rect">
+            <a:avLst/>
+          </a:prstGeom>
+        </p:spPr>
+      </p:pic>
+      <p:pic>
+        <p:nvPicPr>
+          <p:cNvPr id="37" name="Picture 36">
+            <a:extLst>
+              <a:ext uri="{FF2B5EF4-FFF2-40B4-BE49-F238E27FC236}">
+                <a16:creationId xmlns:a16="http://schemas.microsoft.com/office/drawing/2014/main" id="{7739C95D-3A9D-ABC8-C531-6D139C36D2E9}"/>
+              </a:ext>
+            </a:extLst>
+          </p:cNvPr>
+          <p:cNvPicPr>
+            <a:picLocks noChangeAspect="1"/>
+          </p:cNvPicPr>
+          <p:nvPr/>
+        </p:nvPicPr>
+        <p:blipFill>
+          <a:blip r:embed="rId7"/>
+          <a:stretch>
+            <a:fillRect/>
+          </a:stretch>
+        </p:blipFill>
+        <p:spPr>
+          <a:xfrm>
+            <a:off x="6203485" y="3497591"/>
+            <a:ext cx="1269918" cy="324920"/>
+          </a:xfrm>
+          <a:prstGeom prst="rect">
+            <a:avLst/>
+          </a:prstGeom>
+        </p:spPr>
+      </p:pic>
+      <p:pic>
+        <p:nvPicPr>
+          <p:cNvPr id="39" name="Picture 38">
+            <a:extLst>
+              <a:ext uri="{FF2B5EF4-FFF2-40B4-BE49-F238E27FC236}">
+                <a16:creationId xmlns:a16="http://schemas.microsoft.com/office/drawing/2014/main" id="{696D47FD-102E-617F-E9E9-AE021D53D0A4}"/>
+              </a:ext>
+            </a:extLst>
+          </p:cNvPr>
+          <p:cNvPicPr>
+            <a:picLocks noChangeAspect="1"/>
+          </p:cNvPicPr>
+          <p:nvPr/>
+        </p:nvPicPr>
+        <p:blipFill>
+          <a:blip r:embed="rId8"/>
+          <a:stretch>
+            <a:fillRect/>
+          </a:stretch>
+        </p:blipFill>
+        <p:spPr>
+          <a:xfrm>
+            <a:off x="6194432" y="4030114"/>
+            <a:ext cx="1079709" cy="293124"/>
+          </a:xfrm>
+          <a:prstGeom prst="rect">
+            <a:avLst/>
+          </a:prstGeom>
+        </p:spPr>
+      </p:pic>
+      <p:pic>
+        <p:nvPicPr>
+          <p:cNvPr id="41" name="Picture 40">
+            <a:extLst>
+              <a:ext uri="{FF2B5EF4-FFF2-40B4-BE49-F238E27FC236}">
+                <a16:creationId xmlns:a16="http://schemas.microsoft.com/office/drawing/2014/main" id="{6D1BFCFC-2457-2390-2E86-A5C7EA1347F7}"/>
+              </a:ext>
+            </a:extLst>
+          </p:cNvPr>
+          <p:cNvPicPr>
+            <a:picLocks noChangeAspect="1"/>
+          </p:cNvPicPr>
+          <p:nvPr/>
+        </p:nvPicPr>
+        <p:blipFill>
+          <a:blip r:embed="rId9"/>
+          <a:stretch>
+            <a:fillRect/>
+          </a:stretch>
+        </p:blipFill>
+        <p:spPr>
+          <a:xfrm>
+            <a:off x="6194432" y="4854872"/>
+            <a:ext cx="1062402" cy="520826"/>
+          </a:xfrm>
+          <a:prstGeom prst="rect">
+            <a:avLst/>
+          </a:prstGeom>
+        </p:spPr>
+      </p:pic>
+      <p:pic>
+        <p:nvPicPr>
+          <p:cNvPr id="46" name="Picture 45">
+            <a:extLst>
+              <a:ext uri="{FF2B5EF4-FFF2-40B4-BE49-F238E27FC236}">
+                <a16:creationId xmlns:a16="http://schemas.microsoft.com/office/drawing/2014/main" id="{A831AF1D-099C-DF35-B207-840F4904234B}"/>
+              </a:ext>
+            </a:extLst>
+          </p:cNvPr>
+          <p:cNvPicPr>
+            <a:picLocks noChangeAspect="1"/>
+          </p:cNvPicPr>
+          <p:nvPr/>
+        </p:nvPicPr>
+        <p:blipFill>
+          <a:blip r:embed="rId10"/>
+          <a:stretch>
+            <a:fillRect/>
+          </a:stretch>
+        </p:blipFill>
+        <p:spPr>
+          <a:xfrm>
+            <a:off x="6268615" y="5721205"/>
+            <a:ext cx="931341" cy="641350"/>
+          </a:xfrm>
+          <a:prstGeom prst="rect">
+            <a:avLst/>
+          </a:prstGeom>
+        </p:spPr>
+      </p:pic>
+      <p:sp>
+        <p:nvSpPr>
+          <p:cNvPr id="2" name="TextBox 1">
+            <a:extLst>
+              <a:ext uri="{FF2B5EF4-FFF2-40B4-BE49-F238E27FC236}">
+                <a16:creationId xmlns:a16="http://schemas.microsoft.com/office/drawing/2014/main" id="{A2E209D7-D358-B4F5-36C2-075762DF3479}"/>
+              </a:ext>
+            </a:extLst>
+          </p:cNvPr>
+          <p:cNvSpPr txBox="1"/>
+          <p:nvPr/>
+        </p:nvSpPr>
+        <p:spPr>
+          <a:xfrm>
+            <a:off x="7751356" y="590976"/>
+            <a:ext cx="1029153" cy="338554"/>
+          </a:xfrm>
+          <a:prstGeom prst="rect">
+            <a:avLst/>
+          </a:prstGeom>
+          <a:noFill/>
+        </p:spPr>
+        <p:txBody>
+          <a:bodyPr wrap="square" rtlCol="0">
+            <a:spAutoFit/>
+          </a:bodyPr>
+          <a:lstStyle/>
+          <a:p>
+            <a:r>
+              <a:rPr lang="en-US" sz="1600" dirty="0"/>
+              <a:t>Felidae</a:t>
+            </a:r>
+          </a:p>
+        </p:txBody>
+      </p:sp>
+      <p:sp>
+        <p:nvSpPr>
+          <p:cNvPr id="4" name="TextBox 3">
+            <a:extLst>
+              <a:ext uri="{FF2B5EF4-FFF2-40B4-BE49-F238E27FC236}">
+                <a16:creationId xmlns:a16="http://schemas.microsoft.com/office/drawing/2014/main" id="{DAD75165-2708-9331-A883-1CBADCF2FA2A}"/>
+              </a:ext>
+            </a:extLst>
+          </p:cNvPr>
+          <p:cNvSpPr txBox="1"/>
+          <p:nvPr/>
+        </p:nvSpPr>
+        <p:spPr>
+          <a:xfrm>
+            <a:off x="7752915" y="1443805"/>
+            <a:ext cx="1287641" cy="338554"/>
+          </a:xfrm>
+          <a:prstGeom prst="rect">
+            <a:avLst/>
+          </a:prstGeom>
+          <a:noFill/>
+        </p:spPr>
+        <p:txBody>
+          <a:bodyPr wrap="square" rtlCol="0">
+            <a:spAutoFit/>
+          </a:bodyPr>
+          <a:lstStyle/>
+          <a:p>
+            <a:r>
+              <a:rPr lang="en-US" sz="1600" dirty="0"/>
+              <a:t>Viverridae</a:t>
+            </a:r>
+          </a:p>
+        </p:txBody>
+      </p:sp>
+      <p:sp>
+        <p:nvSpPr>
+          <p:cNvPr id="8" name="TextBox 7">
+            <a:extLst>
+              <a:ext uri="{FF2B5EF4-FFF2-40B4-BE49-F238E27FC236}">
+                <a16:creationId xmlns:a16="http://schemas.microsoft.com/office/drawing/2014/main" id="{D0F8F753-B476-37E2-BBC8-FFBDA0E23957}"/>
+              </a:ext>
+            </a:extLst>
+          </p:cNvPr>
+          <p:cNvSpPr txBox="1"/>
+          <p:nvPr/>
+        </p:nvSpPr>
+        <p:spPr>
+          <a:xfrm>
+            <a:off x="7731935" y="1807831"/>
+            <a:ext cx="3228425" cy="584775"/>
+          </a:xfrm>
+          <a:prstGeom prst="rect">
+            <a:avLst/>
+          </a:prstGeom>
+          <a:noFill/>
+        </p:spPr>
+        <p:txBody>
+          <a:bodyPr wrap="square" rtlCol="0">
+            <a:spAutoFit/>
+          </a:bodyPr>
+          <a:lstStyle/>
+          <a:p>
+            <a:r>
+              <a:rPr lang="en-US" sz="1600" dirty="0" err="1"/>
+              <a:t>Herpestidae</a:t>
+            </a:r>
+            <a:r>
+              <a:rPr lang="en-US" sz="1600" dirty="0"/>
+              <a:t>, </a:t>
+            </a:r>
+            <a:r>
+              <a:rPr lang="en-US" sz="1600" dirty="0" err="1"/>
+              <a:t>Eupleridae</a:t>
+            </a:r>
+            <a:r>
+              <a:rPr lang="en-US" sz="1600" dirty="0"/>
+              <a:t>, </a:t>
+            </a:r>
+            <a:r>
+              <a:rPr lang="en-US" sz="1600" dirty="0" err="1"/>
+              <a:t>Hyanidae</a:t>
+            </a:r>
+            <a:r>
+              <a:rPr lang="en-US" sz="1600" dirty="0"/>
+              <a:t>, </a:t>
+            </a:r>
+            <a:r>
+              <a:rPr lang="en-US" sz="1600" dirty="0" err="1"/>
+              <a:t>Nandinlidae</a:t>
+            </a:r>
+            <a:endParaRPr lang="en-US" sz="1600" dirty="0"/>
+          </a:p>
+        </p:txBody>
+      </p:sp>
+      <p:sp>
+        <p:nvSpPr>
+          <p:cNvPr id="15" name="TextBox 14">
+            <a:extLst>
+              <a:ext uri="{FF2B5EF4-FFF2-40B4-BE49-F238E27FC236}">
+                <a16:creationId xmlns:a16="http://schemas.microsoft.com/office/drawing/2014/main" id="{6FFBE5FC-56E3-6828-3335-0792ED845133}"/>
+              </a:ext>
+            </a:extLst>
+          </p:cNvPr>
+          <p:cNvSpPr txBox="1"/>
+          <p:nvPr/>
+        </p:nvSpPr>
+        <p:spPr>
+          <a:xfrm>
+            <a:off x="7751356" y="2498685"/>
+            <a:ext cx="2005802" cy="338554"/>
+          </a:xfrm>
+          <a:prstGeom prst="rect">
+            <a:avLst/>
+          </a:prstGeom>
+          <a:noFill/>
+        </p:spPr>
+        <p:txBody>
+          <a:bodyPr wrap="square" rtlCol="0">
+            <a:spAutoFit/>
+          </a:bodyPr>
+          <a:lstStyle/>
+          <a:p>
+            <a:r>
+              <a:rPr lang="en-US" sz="1600" dirty="0"/>
+              <a:t>Canidae</a:t>
+            </a:r>
+          </a:p>
+        </p:txBody>
+      </p:sp>
+      <p:sp>
+        <p:nvSpPr>
+          <p:cNvPr id="17" name="TextBox 16">
+            <a:extLst>
+              <a:ext uri="{FF2B5EF4-FFF2-40B4-BE49-F238E27FC236}">
+                <a16:creationId xmlns:a16="http://schemas.microsoft.com/office/drawing/2014/main" id="{D5C43B5A-FB35-EEC7-5A3A-8C051AB20D9E}"/>
+              </a:ext>
+            </a:extLst>
+          </p:cNvPr>
+          <p:cNvSpPr txBox="1"/>
+          <p:nvPr/>
+        </p:nvSpPr>
+        <p:spPr>
+          <a:xfrm>
+            <a:off x="7751356" y="3013297"/>
+            <a:ext cx="2441251" cy="338554"/>
+          </a:xfrm>
+          <a:prstGeom prst="rect">
+            <a:avLst/>
+          </a:prstGeom>
+          <a:noFill/>
+        </p:spPr>
+        <p:txBody>
+          <a:bodyPr wrap="square" rtlCol="0">
+            <a:spAutoFit/>
+          </a:bodyPr>
+          <a:lstStyle/>
+          <a:p>
+            <a:r>
+              <a:rPr lang="en-US" sz="1600" dirty="0"/>
+              <a:t>Otariidae and Odobenidae</a:t>
+            </a:r>
+          </a:p>
+        </p:txBody>
+      </p:sp>
+      <p:sp>
+        <p:nvSpPr>
+          <p:cNvPr id="19" name="TextBox 18">
+            <a:extLst>
+              <a:ext uri="{FF2B5EF4-FFF2-40B4-BE49-F238E27FC236}">
+                <a16:creationId xmlns:a16="http://schemas.microsoft.com/office/drawing/2014/main" id="{E71F13E5-6C4E-4FFA-3628-9B554DA042F6}"/>
+              </a:ext>
+            </a:extLst>
+          </p:cNvPr>
+          <p:cNvSpPr txBox="1"/>
+          <p:nvPr/>
+        </p:nvSpPr>
+        <p:spPr>
+          <a:xfrm>
+            <a:off x="7751356" y="3477085"/>
+            <a:ext cx="2005802" cy="338554"/>
+          </a:xfrm>
+          <a:prstGeom prst="rect">
+            <a:avLst/>
+          </a:prstGeom>
+          <a:noFill/>
+        </p:spPr>
+        <p:txBody>
+          <a:bodyPr wrap="square" rtlCol="0">
+            <a:spAutoFit/>
+          </a:bodyPr>
+          <a:lstStyle/>
+          <a:p>
+            <a:r>
+              <a:rPr lang="en-US" sz="1600" dirty="0"/>
+              <a:t>Phocidae</a:t>
+            </a:r>
+          </a:p>
+        </p:txBody>
+      </p:sp>
+      <p:sp>
+        <p:nvSpPr>
+          <p:cNvPr id="20" name="TextBox 19">
+            <a:extLst>
+              <a:ext uri="{FF2B5EF4-FFF2-40B4-BE49-F238E27FC236}">
+                <a16:creationId xmlns:a16="http://schemas.microsoft.com/office/drawing/2014/main" id="{2EE869F5-E956-9A27-5559-70C9F391B27B}"/>
+              </a:ext>
+            </a:extLst>
+          </p:cNvPr>
+          <p:cNvSpPr txBox="1"/>
+          <p:nvPr/>
+        </p:nvSpPr>
+        <p:spPr>
+          <a:xfrm>
+            <a:off x="7751356" y="3972542"/>
+            <a:ext cx="2604997" cy="338554"/>
+          </a:xfrm>
+          <a:prstGeom prst="rect">
+            <a:avLst/>
+          </a:prstGeom>
+          <a:noFill/>
+        </p:spPr>
+        <p:txBody>
+          <a:bodyPr wrap="square" rtlCol="0">
+            <a:spAutoFit/>
+          </a:bodyPr>
+          <a:lstStyle/>
+          <a:p>
+            <a:r>
+              <a:rPr lang="en-US" sz="1600" dirty="0" err="1"/>
+              <a:t>Mephitidae</a:t>
+            </a:r>
+            <a:r>
+              <a:rPr lang="en-US" sz="1600" dirty="0"/>
+              <a:t> and Procyonidae</a:t>
+            </a:r>
+          </a:p>
+        </p:txBody>
+      </p:sp>
+      <p:sp>
+        <p:nvSpPr>
+          <p:cNvPr id="21" name="TextBox 20">
+            <a:extLst>
+              <a:ext uri="{FF2B5EF4-FFF2-40B4-BE49-F238E27FC236}">
+                <a16:creationId xmlns:a16="http://schemas.microsoft.com/office/drawing/2014/main" id="{CB00E5DF-5695-CA53-F9A3-B4EB3E33FF63}"/>
+              </a:ext>
+            </a:extLst>
+          </p:cNvPr>
+          <p:cNvSpPr txBox="1"/>
+          <p:nvPr/>
+        </p:nvSpPr>
+        <p:spPr>
+          <a:xfrm>
+            <a:off x="7751356" y="4890685"/>
+            <a:ext cx="2005802" cy="338554"/>
+          </a:xfrm>
+          <a:prstGeom prst="rect">
+            <a:avLst/>
+          </a:prstGeom>
+          <a:noFill/>
+        </p:spPr>
+        <p:txBody>
+          <a:bodyPr wrap="square" rtlCol="0">
+            <a:spAutoFit/>
+          </a:bodyPr>
+          <a:lstStyle/>
+          <a:p>
+            <a:r>
+              <a:rPr lang="en-US" sz="1600" dirty="0"/>
+              <a:t>Mustelidae</a:t>
+            </a:r>
+          </a:p>
+        </p:txBody>
+      </p:sp>
+      <p:sp>
+        <p:nvSpPr>
+          <p:cNvPr id="23" name="TextBox 22">
+            <a:extLst>
+              <a:ext uri="{FF2B5EF4-FFF2-40B4-BE49-F238E27FC236}">
+                <a16:creationId xmlns:a16="http://schemas.microsoft.com/office/drawing/2014/main" id="{1826A024-63AC-AAA1-DF54-094D1770EF25}"/>
+              </a:ext>
+            </a:extLst>
+          </p:cNvPr>
+          <p:cNvSpPr txBox="1"/>
+          <p:nvPr/>
+        </p:nvSpPr>
+        <p:spPr>
+          <a:xfrm>
+            <a:off x="7751356" y="5839005"/>
+            <a:ext cx="2005802" cy="338554"/>
+          </a:xfrm>
+          <a:prstGeom prst="rect">
+            <a:avLst/>
+          </a:prstGeom>
+          <a:noFill/>
+        </p:spPr>
+        <p:txBody>
+          <a:bodyPr wrap="square" rtlCol="0">
+            <a:spAutoFit/>
+          </a:bodyPr>
+          <a:lstStyle/>
+          <a:p>
+            <a:r>
+              <a:rPr lang="en-US" sz="1600" dirty="0"/>
+              <a:t>Ursidae</a:t>
+            </a:r>
+          </a:p>
+        </p:txBody>
+      </p:sp>
+      <p:pic>
+        <p:nvPicPr>
+          <p:cNvPr id="26" name="Picture 25">
+            <a:extLst>
+              <a:ext uri="{FF2B5EF4-FFF2-40B4-BE49-F238E27FC236}">
+                <a16:creationId xmlns:a16="http://schemas.microsoft.com/office/drawing/2014/main" id="{5516FA18-3B00-346E-1C31-9C8EBEF337F4}"/>
               </a:ext>
             </a:extLst>
           </p:cNvPr>
@@ -3412,26 +3967,85 @@
           <p:nvPr/>
         </p:nvPicPr>
         <p:blipFill rotWithShape="1">
-          <a:blip r:embed="rId4"/>
+          <a:blip r:embed="rId11"/>
+          <a:srcRect l="13791" t="9199" r="7596" b="1724"/>
+          <a:stretch/>
+        </p:blipFill>
+        <p:spPr>
+          <a:xfrm>
+            <a:off x="2876765" y="131955"/>
+            <a:ext cx="3250161" cy="6751794"/>
+          </a:xfrm>
+          <a:prstGeom prst="rect">
+            <a:avLst/>
+          </a:prstGeom>
+        </p:spPr>
+      </p:pic>
+      <p:pic>
+        <p:nvPicPr>
+          <p:cNvPr id="7" name="Picture 6">
+            <a:extLst>
+              <a:ext uri="{FF2B5EF4-FFF2-40B4-BE49-F238E27FC236}">
+                <a16:creationId xmlns:a16="http://schemas.microsoft.com/office/drawing/2014/main" id="{2EE13B4B-B74E-6010-AE99-49602C3DE8E4}"/>
+              </a:ext>
+            </a:extLst>
+          </p:cNvPr>
+          <p:cNvPicPr>
+            <a:picLocks noChangeAspect="1"/>
+          </p:cNvPicPr>
+          <p:nvPr/>
+        </p:nvPicPr>
+        <p:blipFill rotWithShape="1">
+          <a:blip r:embed="rId12"/>
           <a:srcRect t="8586" r="6198" b="11181"/>
           <a:stretch/>
         </p:blipFill>
         <p:spPr>
           <a:xfrm>
-            <a:off x="118672" y="563799"/>
-            <a:ext cx="2633450" cy="5502384"/>
+            <a:off x="152870" y="68638"/>
+            <a:ext cx="2923740" cy="6108921"/>
           </a:xfrm>
           <a:prstGeom prst="rect">
             <a:avLst/>
           </a:prstGeom>
         </p:spPr>
       </p:pic>
+      <p:pic>
+        <p:nvPicPr>
+          <p:cNvPr id="5" name="Picture 4">
+            <a:extLst>
+              <a:ext uri="{FF2B5EF4-FFF2-40B4-BE49-F238E27FC236}">
+                <a16:creationId xmlns:a16="http://schemas.microsoft.com/office/drawing/2014/main" id="{92FEEC90-28A1-A3AD-12AE-1D3FC7FBD42B}"/>
+              </a:ext>
+            </a:extLst>
+          </p:cNvPr>
+          <p:cNvPicPr>
+            <a:picLocks noChangeAspect="1"/>
+          </p:cNvPicPr>
+          <p:nvPr/>
+        </p:nvPicPr>
+        <p:blipFill>
+          <a:blip r:embed="rId13"/>
+          <a:stretch>
+            <a:fillRect/>
+          </a:stretch>
+        </p:blipFill>
+        <p:spPr>
+          <a:xfrm>
+            <a:off x="4310629" y="72012"/>
+            <a:ext cx="1785371" cy="565855"/>
+          </a:xfrm>
+          <a:prstGeom prst="rect">
+            <a:avLst/>
+          </a:prstGeom>
+        </p:spPr>
+      </p:pic>
       <p:cxnSp>
         <p:nvCxnSpPr>
-          <p:cNvPr id="3" name="Straight Connector 2">
-            <a:extLst>
-              <a:ext uri="{FF2B5EF4-FFF2-40B4-BE49-F238E27FC236}">
-                <a16:creationId xmlns:a16="http://schemas.microsoft.com/office/drawing/2014/main" id="{CF18D9E1-A40A-FFDC-41CF-959CB3357A30}"/>
+          <p:cNvPr id="29" name="Straight Connector 28">
+            <a:extLst>
+              <a:ext uri="{FF2B5EF4-FFF2-40B4-BE49-F238E27FC236}">
+                <a16:creationId xmlns:a16="http://schemas.microsoft.com/office/drawing/2014/main" id="{8D2FC3B2-C369-302F-D282-58F2197112AF}"/>
               </a:ext>
             </a:extLst>
           </p:cNvPr>
@@ -3441,9 +4055,9 @@
           <p:nvPr/>
         </p:nvCxnSpPr>
         <p:spPr>
-          <a:xfrm flipV="1">
-            <a:off x="2703443" y="1747442"/>
-            <a:ext cx="4463803" cy="5073"/>
+          <a:xfrm>
+            <a:off x="3014966" y="1873938"/>
+            <a:ext cx="3005690" cy="0"/>
           </a:xfrm>
           <a:prstGeom prst="line">
             <a:avLst/>
@@ -3474,10 +4088,10 @@
       </p:cxnSp>
       <p:cxnSp>
         <p:nvCxnSpPr>
-          <p:cNvPr id="6" name="Straight Connector 5">
-            <a:extLst>
-              <a:ext uri="{FF2B5EF4-FFF2-40B4-BE49-F238E27FC236}">
-                <a16:creationId xmlns:a16="http://schemas.microsoft.com/office/drawing/2014/main" id="{230AF52E-5657-28CC-33F7-A8B9DA34FD69}"/>
+          <p:cNvPr id="32" name="Straight Connector 31">
+            <a:extLst>
+              <a:ext uri="{FF2B5EF4-FFF2-40B4-BE49-F238E27FC236}">
+                <a16:creationId xmlns:a16="http://schemas.microsoft.com/office/drawing/2014/main" id="{02AC4BAC-9FE2-C55F-A44E-8BFFC31B8CFB}"/>
               </a:ext>
             </a:extLst>
           </p:cNvPr>
@@ -3488,8 +4102,8 @@
         </p:nvCxnSpPr>
         <p:spPr>
           <a:xfrm>
-            <a:off x="2712366" y="4017669"/>
-            <a:ext cx="4467323" cy="0"/>
+            <a:off x="3028666" y="1389340"/>
+            <a:ext cx="3005690" cy="0"/>
           </a:xfrm>
           <a:prstGeom prst="line">
             <a:avLst/>
@@ -3497,7 +4111,7 @@
           <a:ln>
             <a:solidFill>
               <a:schemeClr val="dk1">
-                <a:alpha val="24692"/>
+                <a:alpha val="26000"/>
               </a:schemeClr>
             </a:solidFill>
             <a:prstDash val="dash"/>
@@ -3520,10 +4134,10 @@
       </p:cxnSp>
       <p:cxnSp>
         <p:nvCxnSpPr>
-          <p:cNvPr id="9" name="Straight Connector 8">
-            <a:extLst>
-              <a:ext uri="{FF2B5EF4-FFF2-40B4-BE49-F238E27FC236}">
-                <a16:creationId xmlns:a16="http://schemas.microsoft.com/office/drawing/2014/main" id="{09D8EC83-5783-00A4-2949-4971CA0C3577}"/>
+          <p:cNvPr id="33" name="Straight Connector 32">
+            <a:extLst>
+              <a:ext uri="{FF2B5EF4-FFF2-40B4-BE49-F238E27FC236}">
+                <a16:creationId xmlns:a16="http://schemas.microsoft.com/office/drawing/2014/main" id="{3AEE1360-74FF-AFF6-10A5-E01C65048453}"/>
               </a:ext>
             </a:extLst>
           </p:cNvPr>
@@ -3534,8 +4148,8 @@
         </p:nvCxnSpPr>
         <p:spPr>
           <a:xfrm>
-            <a:off x="2712366" y="5675159"/>
-            <a:ext cx="4467323" cy="0"/>
+            <a:off x="3014966" y="2353313"/>
+            <a:ext cx="3005690" cy="0"/>
           </a:xfrm>
           <a:prstGeom prst="line">
             <a:avLst/>
@@ -3543,7 +4157,7 @@
           <a:ln>
             <a:solidFill>
               <a:schemeClr val="dk1">
-                <a:alpha val="24964"/>
+                <a:alpha val="26000"/>
               </a:schemeClr>
             </a:solidFill>
             <a:prstDash val="dash"/>
@@ -3566,10 +4180,10 @@
       </p:cxnSp>
       <p:cxnSp>
         <p:nvCxnSpPr>
-          <p:cNvPr id="11" name="Straight Connector 10">
-            <a:extLst>
-              <a:ext uri="{FF2B5EF4-FFF2-40B4-BE49-F238E27FC236}">
-                <a16:creationId xmlns:a16="http://schemas.microsoft.com/office/drawing/2014/main" id="{5266A536-9D6D-66A2-F77D-A344CE27D1A8}"/>
+          <p:cNvPr id="34" name="Straight Connector 33">
+            <a:extLst>
+              <a:ext uri="{FF2B5EF4-FFF2-40B4-BE49-F238E27FC236}">
+                <a16:creationId xmlns:a16="http://schemas.microsoft.com/office/drawing/2014/main" id="{1003C132-F70C-C526-6A48-59F6C0F78252}"/>
               </a:ext>
             </a:extLst>
           </p:cNvPr>
@@ -3580,8 +4194,8 @@
         </p:nvCxnSpPr>
         <p:spPr>
           <a:xfrm>
-            <a:off x="2703443" y="4462584"/>
-            <a:ext cx="4476246" cy="0"/>
+            <a:off x="2999000" y="3050000"/>
+            <a:ext cx="3005690" cy="0"/>
           </a:xfrm>
           <a:prstGeom prst="line">
             <a:avLst/>
@@ -3589,7 +4203,7 @@
           <a:ln>
             <a:solidFill>
               <a:schemeClr val="dk1">
-                <a:alpha val="25484"/>
+                <a:alpha val="26000"/>
               </a:schemeClr>
             </a:solidFill>
             <a:prstDash val="dash"/>
@@ -3612,10 +4226,10 @@
       </p:cxnSp>
       <p:cxnSp>
         <p:nvCxnSpPr>
-          <p:cNvPr id="12" name="Straight Connector 11">
-            <a:extLst>
-              <a:ext uri="{FF2B5EF4-FFF2-40B4-BE49-F238E27FC236}">
-                <a16:creationId xmlns:a16="http://schemas.microsoft.com/office/drawing/2014/main" id="{11E17F73-1FA1-BA0C-D88A-6E28241E9971}"/>
+          <p:cNvPr id="36" name="Straight Connector 35">
+            <a:extLst>
+              <a:ext uri="{FF2B5EF4-FFF2-40B4-BE49-F238E27FC236}">
+                <a16:creationId xmlns:a16="http://schemas.microsoft.com/office/drawing/2014/main" id="{590D6F65-49D3-3E45-5B6B-2448D753802C}"/>
               </a:ext>
             </a:extLst>
           </p:cNvPr>
@@ -3626,8 +4240,8 @@
         </p:nvCxnSpPr>
         <p:spPr>
           <a:xfrm>
-            <a:off x="2696815" y="3240561"/>
-            <a:ext cx="4470431" cy="0"/>
+            <a:off x="3028666" y="3415589"/>
+            <a:ext cx="3005690" cy="0"/>
           </a:xfrm>
           <a:prstGeom prst="line">
             <a:avLst/>
@@ -3635,7 +4249,7 @@
           <a:ln>
             <a:solidFill>
               <a:schemeClr val="dk1">
-                <a:alpha val="24989"/>
+                <a:alpha val="26000"/>
               </a:schemeClr>
             </a:solidFill>
             <a:prstDash val="dash"/>
@@ -3658,10 +4272,10 @@
       </p:cxnSp>
       <p:cxnSp>
         <p:nvCxnSpPr>
-          <p:cNvPr id="13" name="Straight Connector 12">
-            <a:extLst>
-              <a:ext uri="{FF2B5EF4-FFF2-40B4-BE49-F238E27FC236}">
-                <a16:creationId xmlns:a16="http://schemas.microsoft.com/office/drawing/2014/main" id="{28F58AEA-2C4D-0203-CCF3-DC03FE0BB6E8}"/>
+          <p:cNvPr id="38" name="Straight Connector 37">
+            <a:extLst>
+              <a:ext uri="{FF2B5EF4-FFF2-40B4-BE49-F238E27FC236}">
+                <a16:creationId xmlns:a16="http://schemas.microsoft.com/office/drawing/2014/main" id="{0A25F1D7-88A7-98E5-79AF-3940540648B6}"/>
               </a:ext>
             </a:extLst>
           </p:cNvPr>
@@ -3672,8 +4286,8 @@
         </p:nvCxnSpPr>
         <p:spPr>
           <a:xfrm>
-            <a:off x="2696815" y="2617709"/>
-            <a:ext cx="4470431" cy="0"/>
+            <a:off x="3028666" y="3899156"/>
+            <a:ext cx="3005690" cy="0"/>
           </a:xfrm>
           <a:prstGeom prst="line">
             <a:avLst/>
@@ -3681,7 +4295,7 @@
           <a:ln>
             <a:solidFill>
               <a:schemeClr val="dk1">
-                <a:alpha val="25000"/>
+                <a:alpha val="26000"/>
               </a:schemeClr>
             </a:solidFill>
             <a:prstDash val="dash"/>
@@ -3704,10 +4318,10 @@
       </p:cxnSp>
       <p:cxnSp>
         <p:nvCxnSpPr>
-          <p:cNvPr id="14" name="Straight Connector 13">
-            <a:extLst>
-              <a:ext uri="{FF2B5EF4-FFF2-40B4-BE49-F238E27FC236}">
-                <a16:creationId xmlns:a16="http://schemas.microsoft.com/office/drawing/2014/main" id="{F01D6E2B-A6D5-8E93-24FF-FF4CBD9CD786}"/>
+          <p:cNvPr id="40" name="Straight Connector 39">
+            <a:extLst>
+              <a:ext uri="{FF2B5EF4-FFF2-40B4-BE49-F238E27FC236}">
+                <a16:creationId xmlns:a16="http://schemas.microsoft.com/office/drawing/2014/main" id="{9332F8D4-7FEF-7177-C434-107D7F51D90B}"/>
               </a:ext>
             </a:extLst>
           </p:cNvPr>
@@ -3718,8 +4332,8 @@
         </p:nvCxnSpPr>
         <p:spPr>
           <a:xfrm>
-            <a:off x="2703443" y="2182575"/>
-            <a:ext cx="4463803" cy="0"/>
+            <a:off x="3028666" y="4452310"/>
+            <a:ext cx="3005690" cy="0"/>
           </a:xfrm>
           <a:prstGeom prst="line">
             <a:avLst/>
@@ -3727,7 +4341,7 @@
           <a:ln>
             <a:solidFill>
               <a:schemeClr val="dk1">
-                <a:alpha val="25000"/>
+                <a:alpha val="26000"/>
               </a:schemeClr>
             </a:solidFill>
             <a:prstDash val="dash"/>
@@ -3748,162 +4362,12 @@
           </a:fontRef>
         </p:style>
       </p:cxnSp>
-      <p:pic>
-        <p:nvPicPr>
-          <p:cNvPr id="16" name="Picture 15">
-            <a:extLst>
-              <a:ext uri="{FF2B5EF4-FFF2-40B4-BE49-F238E27FC236}">
-                <a16:creationId xmlns:a16="http://schemas.microsoft.com/office/drawing/2014/main" id="{FE44F822-FD43-92BC-6FFF-2033378B2F5C}"/>
-              </a:ext>
-            </a:extLst>
-          </p:cNvPr>
-          <p:cNvPicPr>
-            <a:picLocks noChangeAspect="1"/>
-          </p:cNvPicPr>
-          <p:nvPr/>
-        </p:nvPicPr>
-        <p:blipFill>
-          <a:blip r:embed="rId5"/>
-          <a:stretch>
-            <a:fillRect/>
-          </a:stretch>
-        </p:blipFill>
-        <p:spPr>
-          <a:xfrm>
-            <a:off x="7299720" y="788752"/>
-            <a:ext cx="929880" cy="737676"/>
-          </a:xfrm>
-          <a:prstGeom prst="rect">
-            <a:avLst/>
-          </a:prstGeom>
-        </p:spPr>
-      </p:pic>
-      <p:pic>
-        <p:nvPicPr>
-          <p:cNvPr id="18" name="Picture 17">
-            <a:extLst>
-              <a:ext uri="{FF2B5EF4-FFF2-40B4-BE49-F238E27FC236}">
-                <a16:creationId xmlns:a16="http://schemas.microsoft.com/office/drawing/2014/main" id="{B1EA3AAD-B2E3-2684-8BAA-146C9B857888}"/>
-              </a:ext>
-            </a:extLst>
-          </p:cNvPr>
-          <p:cNvPicPr>
-            <a:picLocks noChangeAspect="1"/>
-          </p:cNvPicPr>
-          <p:nvPr/>
-        </p:nvPicPr>
-        <p:blipFill>
-          <a:blip r:embed="rId6"/>
-          <a:stretch>
-            <a:fillRect/>
-          </a:stretch>
-        </p:blipFill>
-        <p:spPr>
-          <a:xfrm>
-            <a:off x="7299720" y="1780842"/>
-            <a:ext cx="1422400" cy="381000"/>
-          </a:xfrm>
-          <a:prstGeom prst="rect">
-            <a:avLst/>
-          </a:prstGeom>
-        </p:spPr>
-      </p:pic>
-      <p:pic>
-        <p:nvPicPr>
-          <p:cNvPr id="22" name="Picture 21">
-            <a:extLst>
-              <a:ext uri="{FF2B5EF4-FFF2-40B4-BE49-F238E27FC236}">
-                <a16:creationId xmlns:a16="http://schemas.microsoft.com/office/drawing/2014/main" id="{E57528AE-9818-4254-0D60-3AEC63D4E319}"/>
-              </a:ext>
-            </a:extLst>
-          </p:cNvPr>
-          <p:cNvPicPr>
-            <a:picLocks noChangeAspect="1"/>
-          </p:cNvPicPr>
-          <p:nvPr/>
-        </p:nvPicPr>
-        <p:blipFill>
-          <a:blip r:embed="rId7"/>
-          <a:stretch>
-            <a:fillRect/>
-          </a:stretch>
-        </p:blipFill>
-        <p:spPr>
-          <a:xfrm>
-            <a:off x="7299720" y="2219369"/>
-            <a:ext cx="1155167" cy="372271"/>
-          </a:xfrm>
-          <a:prstGeom prst="rect">
-            <a:avLst/>
-          </a:prstGeom>
-        </p:spPr>
-      </p:pic>
-      <p:pic>
-        <p:nvPicPr>
-          <p:cNvPr id="25" name="Picture 24">
-            <a:extLst>
-              <a:ext uri="{FF2B5EF4-FFF2-40B4-BE49-F238E27FC236}">
-                <a16:creationId xmlns:a16="http://schemas.microsoft.com/office/drawing/2014/main" id="{DD9103AE-D243-26F9-402F-7AEDAC2E34D0}"/>
-              </a:ext>
-            </a:extLst>
-          </p:cNvPr>
-          <p:cNvPicPr>
-            <a:picLocks noChangeAspect="1"/>
-          </p:cNvPicPr>
-          <p:nvPr/>
-        </p:nvPicPr>
-        <p:blipFill>
-          <a:blip r:embed="rId8"/>
-          <a:stretch>
-            <a:fillRect/>
-          </a:stretch>
-        </p:blipFill>
-        <p:spPr>
-          <a:xfrm>
-            <a:off x="7299720" y="2637086"/>
-            <a:ext cx="1062402" cy="612924"/>
-          </a:xfrm>
-          <a:prstGeom prst="rect">
-            <a:avLst/>
-          </a:prstGeom>
-        </p:spPr>
-      </p:pic>
-      <p:pic>
-        <p:nvPicPr>
-          <p:cNvPr id="27" name="Picture 26">
-            <a:extLst>
-              <a:ext uri="{FF2B5EF4-FFF2-40B4-BE49-F238E27FC236}">
-                <a16:creationId xmlns:a16="http://schemas.microsoft.com/office/drawing/2014/main" id="{960581A9-AAAB-4FBC-DFFB-210AE2E8BE03}"/>
-              </a:ext>
-            </a:extLst>
-          </p:cNvPr>
-          <p:cNvPicPr>
-            <a:picLocks noChangeAspect="1"/>
-          </p:cNvPicPr>
-          <p:nvPr/>
-        </p:nvPicPr>
-        <p:blipFill>
-          <a:blip r:embed="rId9"/>
-          <a:stretch>
-            <a:fillRect/>
-          </a:stretch>
-        </p:blipFill>
-        <p:spPr>
-          <a:xfrm>
-            <a:off x="7298259" y="3369020"/>
-            <a:ext cx="1146114" cy="284290"/>
-          </a:xfrm>
-          <a:prstGeom prst="rect">
-            <a:avLst/>
-          </a:prstGeom>
-        </p:spPr>
-      </p:pic>
       <p:cxnSp>
         <p:nvCxnSpPr>
-          <p:cNvPr id="35" name="Straight Connector 34">
-            <a:extLst>
-              <a:ext uri="{FF2B5EF4-FFF2-40B4-BE49-F238E27FC236}">
-                <a16:creationId xmlns:a16="http://schemas.microsoft.com/office/drawing/2014/main" id="{5E5D52DB-9C4C-6321-307B-FD7F674C7C85}"/>
+          <p:cNvPr id="42" name="Straight Connector 41">
+            <a:extLst>
+              <a:ext uri="{FF2B5EF4-FFF2-40B4-BE49-F238E27FC236}">
+                <a16:creationId xmlns:a16="http://schemas.microsoft.com/office/drawing/2014/main" id="{D53EE939-5F81-35D4-3C4C-5492877E3613}"/>
               </a:ext>
             </a:extLst>
           </p:cNvPr>
@@ -3914,8 +4378,8 @@
         </p:nvCxnSpPr>
         <p:spPr>
           <a:xfrm>
-            <a:off x="2709258" y="3583522"/>
-            <a:ext cx="4470431" cy="0"/>
+            <a:off x="3014966" y="5724593"/>
+            <a:ext cx="3005690" cy="0"/>
           </a:xfrm>
           <a:prstGeom prst="line">
             <a:avLst/>
@@ -3923,7 +4387,7 @@
           <a:ln>
             <a:solidFill>
               <a:schemeClr val="dk1">
-                <a:alpha val="24989"/>
+                <a:alpha val="26000"/>
               </a:schemeClr>
             </a:solidFill>
             <a:prstDash val="dash"/>
@@ -3944,470 +4408,6 @@
           </a:fontRef>
         </p:style>
       </p:cxnSp>
-      <p:pic>
-        <p:nvPicPr>
-          <p:cNvPr id="37" name="Picture 36">
-            <a:extLst>
-              <a:ext uri="{FF2B5EF4-FFF2-40B4-BE49-F238E27FC236}">
-                <a16:creationId xmlns:a16="http://schemas.microsoft.com/office/drawing/2014/main" id="{7739C95D-3A9D-ABC8-C531-6D139C36D2E9}"/>
-              </a:ext>
-            </a:extLst>
-          </p:cNvPr>
-          <p:cNvPicPr>
-            <a:picLocks noChangeAspect="1"/>
-          </p:cNvPicPr>
-          <p:nvPr/>
-        </p:nvPicPr>
-        <p:blipFill>
-          <a:blip r:embed="rId10"/>
-          <a:stretch>
-            <a:fillRect/>
-          </a:stretch>
-        </p:blipFill>
-        <p:spPr>
-          <a:xfrm>
-            <a:off x="7298259" y="3754388"/>
-            <a:ext cx="1269918" cy="324920"/>
-          </a:xfrm>
-          <a:prstGeom prst="rect">
-            <a:avLst/>
-          </a:prstGeom>
-        </p:spPr>
-      </p:pic>
-      <p:pic>
-        <p:nvPicPr>
-          <p:cNvPr id="39" name="Picture 38">
-            <a:extLst>
-              <a:ext uri="{FF2B5EF4-FFF2-40B4-BE49-F238E27FC236}">
-                <a16:creationId xmlns:a16="http://schemas.microsoft.com/office/drawing/2014/main" id="{696D47FD-102E-617F-E9E9-AE021D53D0A4}"/>
-              </a:ext>
-            </a:extLst>
-          </p:cNvPr>
-          <p:cNvPicPr>
-            <a:picLocks noChangeAspect="1"/>
-          </p:cNvPicPr>
-          <p:nvPr/>
-        </p:nvPicPr>
-        <p:blipFill>
-          <a:blip r:embed="rId11"/>
-          <a:stretch>
-            <a:fillRect/>
-          </a:stretch>
-        </p:blipFill>
-        <p:spPr>
-          <a:xfrm>
-            <a:off x="7317027" y="4217229"/>
-            <a:ext cx="1079709" cy="293124"/>
-          </a:xfrm>
-          <a:prstGeom prst="rect">
-            <a:avLst/>
-          </a:prstGeom>
-        </p:spPr>
-      </p:pic>
-      <p:pic>
-        <p:nvPicPr>
-          <p:cNvPr id="41" name="Picture 40">
-            <a:extLst>
-              <a:ext uri="{FF2B5EF4-FFF2-40B4-BE49-F238E27FC236}">
-                <a16:creationId xmlns:a16="http://schemas.microsoft.com/office/drawing/2014/main" id="{6D1BFCFC-2457-2390-2E86-A5C7EA1347F7}"/>
-              </a:ext>
-            </a:extLst>
-          </p:cNvPr>
-          <p:cNvPicPr>
-            <a:picLocks noChangeAspect="1"/>
-          </p:cNvPicPr>
-          <p:nvPr/>
-        </p:nvPicPr>
-        <p:blipFill>
-          <a:blip r:embed="rId12"/>
-          <a:stretch>
-            <a:fillRect/>
-          </a:stretch>
-        </p:blipFill>
-        <p:spPr>
-          <a:xfrm>
-            <a:off x="7317027" y="4685595"/>
-            <a:ext cx="1062402" cy="520826"/>
-          </a:xfrm>
-          <a:prstGeom prst="rect">
-            <a:avLst/>
-          </a:prstGeom>
-        </p:spPr>
-      </p:pic>
-      <p:pic>
-        <p:nvPicPr>
-          <p:cNvPr id="46" name="Picture 45">
-            <a:extLst>
-              <a:ext uri="{FF2B5EF4-FFF2-40B4-BE49-F238E27FC236}">
-                <a16:creationId xmlns:a16="http://schemas.microsoft.com/office/drawing/2014/main" id="{A831AF1D-099C-DF35-B207-840F4904234B}"/>
-              </a:ext>
-            </a:extLst>
-          </p:cNvPr>
-          <p:cNvPicPr>
-            <a:picLocks noChangeAspect="1"/>
-          </p:cNvPicPr>
-          <p:nvPr/>
-        </p:nvPicPr>
-        <p:blipFill>
-          <a:blip r:embed="rId13"/>
-          <a:stretch>
-            <a:fillRect/>
-          </a:stretch>
-        </p:blipFill>
-        <p:spPr>
-          <a:xfrm>
-            <a:off x="7298259" y="5500932"/>
-            <a:ext cx="931341" cy="641350"/>
-          </a:xfrm>
-          <a:prstGeom prst="rect">
-            <a:avLst/>
-          </a:prstGeom>
-        </p:spPr>
-      </p:pic>
-      <p:sp>
-        <p:nvSpPr>
-          <p:cNvPr id="2" name="TextBox 1">
-            <a:extLst>
-              <a:ext uri="{FF2B5EF4-FFF2-40B4-BE49-F238E27FC236}">
-                <a16:creationId xmlns:a16="http://schemas.microsoft.com/office/drawing/2014/main" id="{A2E209D7-D358-B4F5-36C2-075762DF3479}"/>
-              </a:ext>
-            </a:extLst>
-          </p:cNvPr>
-          <p:cNvSpPr txBox="1"/>
-          <p:nvPr/>
-        </p:nvSpPr>
-        <p:spPr>
-          <a:xfrm>
-            <a:off x="8973980" y="1019090"/>
-            <a:ext cx="1029153" cy="276999"/>
-          </a:xfrm>
-          <a:prstGeom prst="rect">
-            <a:avLst/>
-          </a:prstGeom>
-          <a:noFill/>
-        </p:spPr>
-        <p:txBody>
-          <a:bodyPr wrap="square" rtlCol="0">
-            <a:spAutoFit/>
-          </a:bodyPr>
-          <a:lstStyle/>
-          <a:p>
-            <a:r>
-              <a:rPr lang="en-US" sz="1200" dirty="0"/>
-              <a:t>Felidae</a:t>
-            </a:r>
-          </a:p>
-        </p:txBody>
-      </p:sp>
-      <p:sp>
-        <p:nvSpPr>
-          <p:cNvPr id="4" name="TextBox 3">
-            <a:extLst>
-              <a:ext uri="{FF2B5EF4-FFF2-40B4-BE49-F238E27FC236}">
-                <a16:creationId xmlns:a16="http://schemas.microsoft.com/office/drawing/2014/main" id="{DAD75165-2708-9331-A883-1CBADCF2FA2A}"/>
-              </a:ext>
-            </a:extLst>
-          </p:cNvPr>
-          <p:cNvSpPr txBox="1"/>
-          <p:nvPr/>
-        </p:nvSpPr>
-        <p:spPr>
-          <a:xfrm>
-            <a:off x="8973979" y="1832842"/>
-            <a:ext cx="1029153" cy="276999"/>
-          </a:xfrm>
-          <a:prstGeom prst="rect">
-            <a:avLst/>
-          </a:prstGeom>
-          <a:noFill/>
-        </p:spPr>
-        <p:txBody>
-          <a:bodyPr wrap="square" rtlCol="0">
-            <a:spAutoFit/>
-          </a:bodyPr>
-          <a:lstStyle/>
-          <a:p>
-            <a:r>
-              <a:rPr lang="en-US" sz="1200" dirty="0"/>
-              <a:t>Viverridae</a:t>
-            </a:r>
-          </a:p>
-        </p:txBody>
-      </p:sp>
-      <p:sp>
-        <p:nvSpPr>
-          <p:cNvPr id="8" name="TextBox 7">
-            <a:extLst>
-              <a:ext uri="{FF2B5EF4-FFF2-40B4-BE49-F238E27FC236}">
-                <a16:creationId xmlns:a16="http://schemas.microsoft.com/office/drawing/2014/main" id="{D0F8F753-B476-37E2-BBC8-FFBDA0E23957}"/>
-              </a:ext>
-            </a:extLst>
-          </p:cNvPr>
-          <p:cNvSpPr txBox="1"/>
-          <p:nvPr/>
-        </p:nvSpPr>
-        <p:spPr>
-          <a:xfrm>
-            <a:off x="8973979" y="2167278"/>
-            <a:ext cx="2005802" cy="461665"/>
-          </a:xfrm>
-          <a:prstGeom prst="rect">
-            <a:avLst/>
-          </a:prstGeom>
-          <a:noFill/>
-        </p:spPr>
-        <p:txBody>
-          <a:bodyPr wrap="square" rtlCol="0">
-            <a:spAutoFit/>
-          </a:bodyPr>
-          <a:lstStyle/>
-          <a:p>
-            <a:r>
-              <a:rPr lang="en-US" sz="1200" dirty="0" err="1"/>
-              <a:t>Herpestidae</a:t>
-            </a:r>
-            <a:r>
-              <a:rPr lang="en-US" sz="1200" dirty="0"/>
-              <a:t>, </a:t>
-            </a:r>
-            <a:r>
-              <a:rPr lang="en-US" sz="1200" dirty="0" err="1"/>
-              <a:t>Eupleridae</a:t>
-            </a:r>
-            <a:r>
-              <a:rPr lang="en-US" sz="1200" dirty="0"/>
-              <a:t>, </a:t>
-            </a:r>
-            <a:r>
-              <a:rPr lang="en-US" sz="1200" dirty="0" err="1"/>
-              <a:t>Hyanidae</a:t>
-            </a:r>
-            <a:r>
-              <a:rPr lang="en-US" sz="1200" dirty="0"/>
-              <a:t>, </a:t>
-            </a:r>
-            <a:r>
-              <a:rPr lang="en-US" sz="1200" dirty="0" err="1"/>
-              <a:t>Nandinlidae</a:t>
-            </a:r>
-            <a:endParaRPr lang="en-US" sz="1200" dirty="0"/>
-          </a:p>
-        </p:txBody>
-      </p:sp>
-      <p:sp>
-        <p:nvSpPr>
-          <p:cNvPr id="15" name="TextBox 14">
-            <a:extLst>
-              <a:ext uri="{FF2B5EF4-FFF2-40B4-BE49-F238E27FC236}">
-                <a16:creationId xmlns:a16="http://schemas.microsoft.com/office/drawing/2014/main" id="{6FFBE5FC-56E3-6828-3335-0792ED845133}"/>
-              </a:ext>
-            </a:extLst>
-          </p:cNvPr>
-          <p:cNvSpPr txBox="1"/>
-          <p:nvPr/>
-        </p:nvSpPr>
-        <p:spPr>
-          <a:xfrm>
-            <a:off x="8973979" y="2805048"/>
-            <a:ext cx="2005802" cy="276999"/>
-          </a:xfrm>
-          <a:prstGeom prst="rect">
-            <a:avLst/>
-          </a:prstGeom>
-          <a:noFill/>
-        </p:spPr>
-        <p:txBody>
-          <a:bodyPr wrap="square" rtlCol="0">
-            <a:spAutoFit/>
-          </a:bodyPr>
-          <a:lstStyle/>
-          <a:p>
-            <a:r>
-              <a:rPr lang="en-US" sz="1200" dirty="0"/>
-              <a:t>Canidae</a:t>
-            </a:r>
-          </a:p>
-        </p:txBody>
-      </p:sp>
-      <p:sp>
-        <p:nvSpPr>
-          <p:cNvPr id="17" name="TextBox 16">
-            <a:extLst>
-              <a:ext uri="{FF2B5EF4-FFF2-40B4-BE49-F238E27FC236}">
-                <a16:creationId xmlns:a16="http://schemas.microsoft.com/office/drawing/2014/main" id="{D5C43B5A-FB35-EEC7-5A3A-8C051AB20D9E}"/>
-              </a:ext>
-            </a:extLst>
-          </p:cNvPr>
-          <p:cNvSpPr txBox="1"/>
-          <p:nvPr/>
-        </p:nvSpPr>
-        <p:spPr>
-          <a:xfrm>
-            <a:off x="8973979" y="3290500"/>
-            <a:ext cx="2005802" cy="276999"/>
-          </a:xfrm>
-          <a:prstGeom prst="rect">
-            <a:avLst/>
-          </a:prstGeom>
-          <a:noFill/>
-        </p:spPr>
-        <p:txBody>
-          <a:bodyPr wrap="square" rtlCol="0">
-            <a:spAutoFit/>
-          </a:bodyPr>
-          <a:lstStyle/>
-          <a:p>
-            <a:r>
-              <a:rPr lang="en-US" sz="1200" dirty="0"/>
-              <a:t>Otariidae and Odobenidae</a:t>
-            </a:r>
-          </a:p>
-        </p:txBody>
-      </p:sp>
-      <p:sp>
-        <p:nvSpPr>
-          <p:cNvPr id="19" name="TextBox 18">
-            <a:extLst>
-              <a:ext uri="{FF2B5EF4-FFF2-40B4-BE49-F238E27FC236}">
-                <a16:creationId xmlns:a16="http://schemas.microsoft.com/office/drawing/2014/main" id="{E71F13E5-6C4E-4FFA-3628-9B554DA042F6}"/>
-              </a:ext>
-            </a:extLst>
-          </p:cNvPr>
-          <p:cNvSpPr txBox="1"/>
-          <p:nvPr/>
-        </p:nvSpPr>
-        <p:spPr>
-          <a:xfrm>
-            <a:off x="8973979" y="3740670"/>
-            <a:ext cx="2005802" cy="276999"/>
-          </a:xfrm>
-          <a:prstGeom prst="rect">
-            <a:avLst/>
-          </a:prstGeom>
-          <a:noFill/>
-        </p:spPr>
-        <p:txBody>
-          <a:bodyPr wrap="square" rtlCol="0">
-            <a:spAutoFit/>
-          </a:bodyPr>
-          <a:lstStyle/>
-          <a:p>
-            <a:r>
-              <a:rPr lang="en-US" sz="1200" dirty="0"/>
-              <a:t>Phocidae</a:t>
-            </a:r>
-          </a:p>
-        </p:txBody>
-      </p:sp>
-      <p:sp>
-        <p:nvSpPr>
-          <p:cNvPr id="20" name="TextBox 19">
-            <a:extLst>
-              <a:ext uri="{FF2B5EF4-FFF2-40B4-BE49-F238E27FC236}">
-                <a16:creationId xmlns:a16="http://schemas.microsoft.com/office/drawing/2014/main" id="{2EE869F5-E956-9A27-5559-70C9F391B27B}"/>
-              </a:ext>
-            </a:extLst>
-          </p:cNvPr>
-          <p:cNvSpPr txBox="1"/>
-          <p:nvPr/>
-        </p:nvSpPr>
-        <p:spPr>
-          <a:xfrm>
-            <a:off x="8973979" y="4114021"/>
-            <a:ext cx="2005802" cy="276999"/>
-          </a:xfrm>
-          <a:prstGeom prst="rect">
-            <a:avLst/>
-          </a:prstGeom>
-          <a:noFill/>
-        </p:spPr>
-        <p:txBody>
-          <a:bodyPr wrap="square" rtlCol="0">
-            <a:spAutoFit/>
-          </a:bodyPr>
-          <a:lstStyle/>
-          <a:p>
-            <a:r>
-              <a:rPr lang="en-US" sz="1200" dirty="0" err="1"/>
-              <a:t>Mephitidae</a:t>
-            </a:r>
-            <a:r>
-              <a:rPr lang="en-US" sz="1200" dirty="0"/>
-              <a:t> and Procyonidae</a:t>
-            </a:r>
-          </a:p>
-        </p:txBody>
-      </p:sp>
-      <p:sp>
-        <p:nvSpPr>
-          <p:cNvPr id="21" name="TextBox 20">
-            <a:extLst>
-              <a:ext uri="{FF2B5EF4-FFF2-40B4-BE49-F238E27FC236}">
-                <a16:creationId xmlns:a16="http://schemas.microsoft.com/office/drawing/2014/main" id="{CB00E5DF-5695-CA53-F9A3-B4EB3E33FF63}"/>
-              </a:ext>
-            </a:extLst>
-          </p:cNvPr>
-          <p:cNvSpPr txBox="1"/>
-          <p:nvPr/>
-        </p:nvSpPr>
-        <p:spPr>
-          <a:xfrm>
-            <a:off x="8973979" y="4807508"/>
-            <a:ext cx="2005802" cy="276999"/>
-          </a:xfrm>
-          <a:prstGeom prst="rect">
-            <a:avLst/>
-          </a:prstGeom>
-          <a:noFill/>
-        </p:spPr>
-        <p:txBody>
-          <a:bodyPr wrap="square" rtlCol="0">
-            <a:spAutoFit/>
-          </a:bodyPr>
-          <a:lstStyle/>
-          <a:p>
-            <a:r>
-              <a:rPr lang="en-US" sz="1200" dirty="0"/>
-              <a:t>Mustelidae</a:t>
-            </a:r>
-          </a:p>
-        </p:txBody>
-      </p:sp>
-      <p:sp>
-        <p:nvSpPr>
-          <p:cNvPr id="23" name="TextBox 22">
-            <a:extLst>
-              <a:ext uri="{FF2B5EF4-FFF2-40B4-BE49-F238E27FC236}">
-                <a16:creationId xmlns:a16="http://schemas.microsoft.com/office/drawing/2014/main" id="{1826A024-63AC-AAA1-DF54-094D1770EF25}"/>
-              </a:ext>
-            </a:extLst>
-          </p:cNvPr>
-          <p:cNvSpPr txBox="1"/>
-          <p:nvPr/>
-        </p:nvSpPr>
-        <p:spPr>
-          <a:xfrm>
-            <a:off x="8973979" y="5789184"/>
-            <a:ext cx="2005802" cy="276999"/>
-          </a:xfrm>
-          <a:prstGeom prst="rect">
-            <a:avLst/>
-          </a:prstGeom>
-          <a:noFill/>
-        </p:spPr>
-        <p:txBody>
-          <a:bodyPr wrap="square" rtlCol="0">
-            <a:spAutoFit/>
-          </a:bodyPr>
-          <a:lstStyle/>
-          <a:p>
-            <a:r>
-              <a:rPr lang="en-US" sz="1200" dirty="0"/>
-              <a:t>Ursidae</a:t>
-            </a:r>
-          </a:p>
-        </p:txBody>
-      </p:sp>
     </p:spTree>
     <p:extLst>
       <p:ext uri="{BB962C8B-B14F-4D97-AF65-F5344CB8AC3E}">

--- a/figures/fig1_plotphylo_rs_chrnum/fig1_plotphylo_rs_chrnum.pptx
+++ b/figures/fig1_plotphylo_rs_chrnum/fig1_plotphylo_rs_chrnum.pptx
@@ -4332,7 +4332,7 @@
         </p:nvCxnSpPr>
         <p:spPr>
           <a:xfrm>
-            <a:off x="3028666" y="4452310"/>
+            <a:off x="3028666" y="4380392"/>
             <a:ext cx="3005690" cy="0"/>
           </a:xfrm>
           <a:prstGeom prst="line">
